--- a/FlutterBack4App(2023tm93680).pptx
+++ b/FlutterBack4App(2023tm93680).pptx
@@ -8,6 +8,7 @@
     <p:sldId id="266" r:id="rId5"/>
     <p:sldId id="308" r:id="rId6"/>
     <p:sldId id="309" r:id="rId7"/>
+    <p:sldId id="310" r:id="rId8"/>
   </p:sldIdLst>
   <p:sldSz cx="12192000" cy="6858000"/>
   <p:notesSz cx="6858000" cy="9144000"/>
@@ -126,8 +127,8 @@
 <pc:chgInfo xmlns:a="http://schemas.openxmlformats.org/drawingml/2006/main" xmlns:r="http://schemas.openxmlformats.org/officeDocument/2006/relationships" xmlns:ac="http://schemas.microsoft.com/office/drawing/2013/main/command" xmlns:pc="http://schemas.microsoft.com/office/powerpoint/2013/main/command">
   <pc:docChgLst>
     <pc:chgData name="mansi priya" userId="d3b9a45f805917d8" providerId="LiveId" clId="{89DDCDBF-A82B-4819-8382-DFA70E15C5C0}"/>
-    <pc:docChg chg="custSel delSld modSld">
-      <pc:chgData name="mansi priya" userId="d3b9a45f805917d8" providerId="LiveId" clId="{89DDCDBF-A82B-4819-8382-DFA70E15C5C0}" dt="2025-05-20T17:26:11.471" v="10" actId="47"/>
+    <pc:docChg chg="custSel addSld delSld modSld">
+      <pc:chgData name="mansi priya" userId="d3b9a45f805917d8" providerId="LiveId" clId="{89DDCDBF-A82B-4819-8382-DFA70E15C5C0}" dt="2025-05-20T17:32:25.492" v="28" actId="113"/>
       <pc:docMkLst>
         <pc:docMk/>
       </pc:docMkLst>
@@ -143,6 +144,29 @@
             <pc:docMk/>
             <pc:sldMk cId="895915843" sldId="266"/>
             <ac:spMk id="2" creationId="{9AB2EA78-AEB3-469B-9025-3B17201A457B}"/>
+          </ac:spMkLst>
+        </pc:spChg>
+      </pc:sldChg>
+      <pc:sldChg chg="modSp new mod">
+        <pc:chgData name="mansi priya" userId="d3b9a45f805917d8" providerId="LiveId" clId="{89DDCDBF-A82B-4819-8382-DFA70E15C5C0}" dt="2025-05-20T17:32:25.492" v="28" actId="113"/>
+        <pc:sldMkLst>
+          <pc:docMk/>
+          <pc:sldMk cId="946890696" sldId="310"/>
+        </pc:sldMkLst>
+        <pc:spChg chg="mod">
+          <ac:chgData name="mansi priya" userId="d3b9a45f805917d8" providerId="LiveId" clId="{89DDCDBF-A82B-4819-8382-DFA70E15C5C0}" dt="2025-05-20T17:32:25.492" v="28" actId="113"/>
+          <ac:spMkLst>
+            <pc:docMk/>
+            <pc:sldMk cId="946890696" sldId="310"/>
+            <ac:spMk id="2" creationId="{1381A04F-726B-8FFF-0722-26EAD4418C70}"/>
+          </ac:spMkLst>
+        </pc:spChg>
+        <pc:spChg chg="mod">
+          <ac:chgData name="mansi priya" userId="d3b9a45f805917d8" providerId="LiveId" clId="{89DDCDBF-A82B-4819-8382-DFA70E15C5C0}" dt="2025-05-20T17:32:03.607" v="12"/>
+          <ac:spMkLst>
+            <pc:docMk/>
+            <pc:sldMk cId="946890696" sldId="310"/>
+            <ac:spMk id="3" creationId="{10F40FB4-6266-69E4-E8E1-B576284C4CE0}"/>
           </ac:spMkLst>
         </pc:spChg>
       </pc:sldChg>
@@ -4341,6 +4365,99 @@
 </p:sld>
 </file>
 
+<file path=ppt/slides/slide4.xml><?xml version="1.0" encoding="utf-8"?>
+<p:sld xmlns:a="http://schemas.openxmlformats.org/drawingml/2006/main" xmlns:r="http://schemas.openxmlformats.org/officeDocument/2006/relationships" xmlns:p="http://schemas.openxmlformats.org/presentationml/2006/main">
+  <p:cSld>
+    <p:spTree>
+      <p:nvGrpSpPr>
+        <p:cNvPr id="1" name=""/>
+        <p:cNvGrpSpPr/>
+        <p:nvPr/>
+      </p:nvGrpSpPr>
+      <p:grpSpPr>
+        <a:xfrm>
+          <a:off x="0" y="0"/>
+          <a:ext cx="0" cy="0"/>
+          <a:chOff x="0" y="0"/>
+          <a:chExt cx="0" cy="0"/>
+        </a:xfrm>
+      </p:grpSpPr>
+      <p:sp>
+        <p:nvSpPr>
+          <p:cNvPr id="2" name="Title 1">
+            <a:extLst>
+              <a:ext uri="{FF2B5EF4-FFF2-40B4-BE49-F238E27FC236}">
+                <a16:creationId xmlns:a16="http://schemas.microsoft.com/office/drawing/2014/main" id="{1381A04F-726B-8FFF-0722-26EAD4418C70}"/>
+              </a:ext>
+            </a:extLst>
+          </p:cNvPr>
+          <p:cNvSpPr>
+            <a:spLocks noGrp="1"/>
+          </p:cNvSpPr>
+          <p:nvPr>
+            <p:ph type="title"/>
+          </p:nvPr>
+        </p:nvSpPr>
+        <p:spPr/>
+        <p:txBody>
+          <a:bodyPr>
+            <a:normAutofit/>
+          </a:bodyPr>
+          <a:lstStyle/>
+          <a:p>
+            <a:r>
+              <a:rPr lang="en-IN" sz="3600" b="1" dirty="0">
+                <a:latin typeface="Aptos" panose="020B0004020202020204" pitchFamily="34" charset="0"/>
+              </a:rPr>
+              <a:t>Demo Of App</a:t>
+            </a:r>
+          </a:p>
+        </p:txBody>
+      </p:sp>
+      <p:sp>
+        <p:nvSpPr>
+          <p:cNvPr id="3" name="Content Placeholder 2">
+            <a:extLst>
+              <a:ext uri="{FF2B5EF4-FFF2-40B4-BE49-F238E27FC236}">
+                <a16:creationId xmlns:a16="http://schemas.microsoft.com/office/drawing/2014/main" id="{10F40FB4-6266-69E4-E8E1-B576284C4CE0}"/>
+              </a:ext>
+            </a:extLst>
+          </p:cNvPr>
+          <p:cNvSpPr>
+            <a:spLocks noGrp="1"/>
+          </p:cNvSpPr>
+          <p:nvPr>
+            <p:ph idx="1"/>
+          </p:nvPr>
+        </p:nvSpPr>
+        <p:spPr/>
+        <p:txBody>
+          <a:bodyPr/>
+          <a:lstStyle/>
+          <a:p>
+            <a:r>
+              <a:rPr lang="en-IN" dirty="0">
+                <a:hlinkClick r:id="rId2" tooltip="https://drive.google.com/file/d/16qps4lgbsgn2fbfrhnfu_j2jlc3-5hkj/view?usp=drive_link"/>
+              </a:rPr>
+              <a:t>https://drive.google.com/file/d/16QPs4Lgbsgn2fbfrhnFu_J2Jlc3-5hkj/view?usp=drive_link</a:t>
+            </a:r>
+            <a:endParaRPr lang="en-IN" dirty="0"/>
+          </a:p>
+        </p:txBody>
+      </p:sp>
+    </p:spTree>
+    <p:extLst>
+      <p:ext uri="{BB962C8B-B14F-4D97-AF65-F5344CB8AC3E}">
+        <p14:creationId xmlns:p14="http://schemas.microsoft.com/office/powerpoint/2010/main" val="946890696"/>
+      </p:ext>
+    </p:extLst>
+  </p:cSld>
+  <p:clrMapOvr>
+    <a:masterClrMapping/>
+  </p:clrMapOvr>
+</p:sld>
+</file>
+
 <file path=ppt/theme/theme1.xml><?xml version="1.0" encoding="utf-8"?>
 <a:theme xmlns:a="http://schemas.openxmlformats.org/drawingml/2006/main" name="RetrospectVTI">
   <a:themeElements>
@@ -4711,21 +4828,21 @@
 </file>
 
 <file path=customXml/item1.xml><?xml version="1.0" encoding="utf-8"?>
+<p:properties xmlns:p="http://schemas.microsoft.com/office/2006/metadata/properties" xmlns:xsi="http://www.w3.org/2001/XMLSchema-instance" xmlns:pc="http://schemas.microsoft.com/office/infopath/2007/PartnerControls">
+  <documentManagement>
+    <Status xmlns="71af3243-3dd4-4a8d-8c0d-dd76da1f02a5">Not started</Status>
+    <MediaServiceKeyPoints xmlns="71af3243-3dd4-4a8d-8c0d-dd76da1f02a5" xsi:nil="true"/>
+  </documentManagement>
+</p:properties>
+</file>
+
+<file path=customXml/item2.xml><?xml version="1.0" encoding="utf-8"?>
 <?mso-contentType ?>
 <FormTemplates xmlns="http://schemas.microsoft.com/sharepoint/v3/contenttype/forms">
   <Display>DocumentLibraryForm</Display>
   <Edit>DocumentLibraryForm</Edit>
   <New>DocumentLibraryForm</New>
 </FormTemplates>
-</file>
-
-<file path=customXml/item2.xml><?xml version="1.0" encoding="utf-8"?>
-<p:properties xmlns:p="http://schemas.microsoft.com/office/2006/metadata/properties" xmlns:xsi="http://www.w3.org/2001/XMLSchema-instance" xmlns:pc="http://schemas.microsoft.com/office/infopath/2007/PartnerControls">
-  <documentManagement>
-    <Status xmlns="71af3243-3dd4-4a8d-8c0d-dd76da1f02a5">Not started</Status>
-    <MediaServiceKeyPoints xmlns="71af3243-3dd4-4a8d-8c0d-dd76da1f02a5" xsi:nil="true"/>
-  </documentManagement>
-</p:properties>
 </file>
 
 <file path=customXml/item3.xml><?xml version="1.0" encoding="utf-8"?>
@@ -4950,19 +5067,19 @@
 </file>
 
 <file path=customXml/itemProps1.xml><?xml version="1.0" encoding="utf-8"?>
-<ds:datastoreItem xmlns:ds="http://schemas.openxmlformats.org/officeDocument/2006/customXml" ds:itemID="{31F006B4-A9E1-4F39-85C8-FB836F919348}">
+<ds:datastoreItem xmlns:ds="http://schemas.openxmlformats.org/officeDocument/2006/customXml" ds:itemID="{8F3CD65D-61A5-43C9-A837-6EC73C7DA8AB}">
   <ds:schemaRefs>
-    <ds:schemaRef ds:uri="http://schemas.microsoft.com/sharepoint/v3/contenttype/forms"/>
+    <ds:schemaRef ds:uri="http://schemas.microsoft.com/office/2006/metadata/properties"/>
+    <ds:schemaRef ds:uri="http://schemas.microsoft.com/office/infopath/2007/PartnerControls"/>
+    <ds:schemaRef ds:uri="71af3243-3dd4-4a8d-8c0d-dd76da1f02a5"/>
   </ds:schemaRefs>
 </ds:datastoreItem>
 </file>
 
 <file path=customXml/itemProps2.xml><?xml version="1.0" encoding="utf-8"?>
-<ds:datastoreItem xmlns:ds="http://schemas.openxmlformats.org/officeDocument/2006/customXml" ds:itemID="{8F3CD65D-61A5-43C9-A837-6EC73C7DA8AB}">
+<ds:datastoreItem xmlns:ds="http://schemas.openxmlformats.org/officeDocument/2006/customXml" ds:itemID="{31F006B4-A9E1-4F39-85C8-FB836F919348}">
   <ds:schemaRefs>
-    <ds:schemaRef ds:uri="http://schemas.microsoft.com/office/2006/metadata/properties"/>
-    <ds:schemaRef ds:uri="http://schemas.microsoft.com/office/infopath/2007/PartnerControls"/>
-    <ds:schemaRef ds:uri="71af3243-3dd4-4a8d-8c0d-dd76da1f02a5"/>
+    <ds:schemaRef ds:uri="http://schemas.microsoft.com/sharepoint/v3/contenttype/forms"/>
   </ds:schemaRefs>
 </ds:datastoreItem>
 </file>
